--- a/04-Arrays.pptx
+++ b/04-Arrays.pptx
@@ -238,7 +238,7 @@
           <a:p>
             <a:fld id="{1A052DDE-B79B-4585-97B6-DCDE6083B029}" type="datetimeFigureOut">
               <a:rPr lang="bg-BG" smtClean="0"/>
-              <a:t>26.7.2015 г.</a:t>
+              <a:t>27.7.2015 г.</a:t>
             </a:fld>
             <a:endParaRPr lang="bg-BG"/>
           </a:p>
@@ -1107,7 +1107,7 @@
           <a:p>
             <a:fld id="{3EA744D9-3FBE-48D8-BF2A-85DF203E4D20}" type="datetimeFigureOut">
               <a:rPr lang="bg-BG" smtClean="0"/>
-              <a:t>26.7.2015 г.</a:t>
+              <a:t>27.7.2015 г.</a:t>
             </a:fld>
             <a:endParaRPr lang="bg-BG"/>
           </a:p>
@@ -1277,7 +1277,7 @@
           <a:p>
             <a:fld id="{3EA744D9-3FBE-48D8-BF2A-85DF203E4D20}" type="datetimeFigureOut">
               <a:rPr lang="bg-BG" smtClean="0"/>
-              <a:t>26.7.2015 г.</a:t>
+              <a:t>27.7.2015 г.</a:t>
             </a:fld>
             <a:endParaRPr lang="bg-BG"/>
           </a:p>
@@ -1457,7 +1457,7 @@
           <a:p>
             <a:fld id="{3EA744D9-3FBE-48D8-BF2A-85DF203E4D20}" type="datetimeFigureOut">
               <a:rPr lang="bg-BG" smtClean="0"/>
-              <a:t>26.7.2015 г.</a:t>
+              <a:t>27.7.2015 г.</a:t>
             </a:fld>
             <a:endParaRPr lang="bg-BG"/>
           </a:p>
@@ -1627,7 +1627,7 @@
           <a:p>
             <a:fld id="{3EA744D9-3FBE-48D8-BF2A-85DF203E4D20}" type="datetimeFigureOut">
               <a:rPr lang="bg-BG" smtClean="0"/>
-              <a:t>26.7.2015 г.</a:t>
+              <a:t>27.7.2015 г.</a:t>
             </a:fld>
             <a:endParaRPr lang="bg-BG"/>
           </a:p>
@@ -1873,7 +1873,7 @@
           <a:p>
             <a:fld id="{3EA744D9-3FBE-48D8-BF2A-85DF203E4D20}" type="datetimeFigureOut">
               <a:rPr lang="bg-BG" smtClean="0"/>
-              <a:t>26.7.2015 г.</a:t>
+              <a:t>27.7.2015 г.</a:t>
             </a:fld>
             <a:endParaRPr lang="bg-BG"/>
           </a:p>
@@ -2161,7 +2161,7 @@
           <a:p>
             <a:fld id="{3EA744D9-3FBE-48D8-BF2A-85DF203E4D20}" type="datetimeFigureOut">
               <a:rPr lang="bg-BG" smtClean="0"/>
-              <a:t>26.7.2015 г.</a:t>
+              <a:t>27.7.2015 г.</a:t>
             </a:fld>
             <a:endParaRPr lang="bg-BG"/>
           </a:p>
@@ -2583,7 +2583,7 @@
           <a:p>
             <a:fld id="{3EA744D9-3FBE-48D8-BF2A-85DF203E4D20}" type="datetimeFigureOut">
               <a:rPr lang="bg-BG" smtClean="0"/>
-              <a:t>26.7.2015 г.</a:t>
+              <a:t>27.7.2015 г.</a:t>
             </a:fld>
             <a:endParaRPr lang="bg-BG"/>
           </a:p>
@@ -2701,7 +2701,7 @@
           <a:p>
             <a:fld id="{3EA744D9-3FBE-48D8-BF2A-85DF203E4D20}" type="datetimeFigureOut">
               <a:rPr lang="bg-BG" smtClean="0"/>
-              <a:t>26.7.2015 г.</a:t>
+              <a:t>27.7.2015 г.</a:t>
             </a:fld>
             <a:endParaRPr lang="bg-BG"/>
           </a:p>
@@ -2796,7 +2796,7 @@
           <a:p>
             <a:fld id="{3EA744D9-3FBE-48D8-BF2A-85DF203E4D20}" type="datetimeFigureOut">
               <a:rPr lang="bg-BG" smtClean="0"/>
-              <a:t>26.7.2015 г.</a:t>
+              <a:t>27.7.2015 г.</a:t>
             </a:fld>
             <a:endParaRPr lang="bg-BG"/>
           </a:p>
@@ -3073,7 +3073,7 @@
           <a:p>
             <a:fld id="{3EA744D9-3FBE-48D8-BF2A-85DF203E4D20}" type="datetimeFigureOut">
               <a:rPr lang="bg-BG" smtClean="0"/>
-              <a:t>26.7.2015 г.</a:t>
+              <a:t>27.7.2015 г.</a:t>
             </a:fld>
             <a:endParaRPr lang="bg-BG"/>
           </a:p>
@@ -3326,7 +3326,7 @@
           <a:p>
             <a:fld id="{3EA744D9-3FBE-48D8-BF2A-85DF203E4D20}" type="datetimeFigureOut">
               <a:rPr lang="bg-BG" smtClean="0"/>
-              <a:t>26.7.2015 г.</a:t>
+              <a:t>27.7.2015 г.</a:t>
             </a:fld>
             <a:endParaRPr lang="bg-BG"/>
           </a:p>
@@ -3548,7 +3548,7 @@
           <a:p>
             <a:fld id="{3EA744D9-3FBE-48D8-BF2A-85DF203E4D20}" type="datetimeFigureOut">
               <a:rPr lang="bg-BG" smtClean="0"/>
-              <a:t>26.7.2015 г.</a:t>
+              <a:t>27.7.2015 г.</a:t>
             </a:fld>
             <a:endParaRPr lang="bg-BG"/>
           </a:p>
@@ -4739,6 +4739,26 @@
               <a:buNone/>
             </a:pPr>
             <a:r>
+              <a:rPr lang="en-US" dirty="0" err="1" smtClean="0">
+                <a:solidFill>
+                  <a:schemeClr val="bg1">
+                    <a:lumMod val="95000"/>
+                  </a:schemeClr>
+                </a:solidFill>
+              </a:rPr>
+              <a:t>foreach</a:t>
+            </a:r>
+            <a:r>
+              <a:rPr lang="en-US" dirty="0" smtClean="0">
+                <a:solidFill>
+                  <a:schemeClr val="bg1">
+                    <a:lumMod val="95000"/>
+                  </a:schemeClr>
+                </a:solidFill>
+              </a:rPr>
+              <a:t>(Type </a:t>
+            </a:r>
+            <a:r>
               <a:rPr lang="en-US" dirty="0">
                 <a:solidFill>
                   <a:schemeClr val="bg1">
@@ -4746,7 +4766,7 @@
                   </a:schemeClr>
                 </a:solidFill>
               </a:rPr>
-              <a:t>for (Type element </a:t>
+              <a:t>element </a:t>
             </a:r>
             <a:r>
               <a:rPr lang="en-US" dirty="0" smtClean="0">
@@ -5157,17 +5177,7 @@
                   </a:schemeClr>
                 </a:solidFill>
               </a:rPr>
-              <a:t>Напишете </a:t>
-            </a:r>
-            <a:r>
-              <a:rPr lang="bg-BG" dirty="0" smtClean="0">
-                <a:solidFill>
-                  <a:schemeClr val="bg1">
-                    <a:lumMod val="95000"/>
-                  </a:schemeClr>
-                </a:solidFill>
-              </a:rPr>
-              <a:t>програма</a:t>
+              <a:t>Напишете програма</a:t>
             </a:r>
             <a:r>
               <a:rPr lang="en-US" dirty="0" smtClean="0">
@@ -8253,7 +8263,27 @@
                   </a:schemeClr>
                 </a:solidFill>
               </a:rPr>
-              <a:t> matrix[,] = new </a:t>
+              <a:t>[,] </a:t>
+            </a:r>
+            <a:r>
+              <a:rPr lang="en-US" dirty="0">
+                <a:solidFill>
+                  <a:schemeClr val="bg1">
+                    <a:lumMod val="95000"/>
+                  </a:schemeClr>
+                </a:solidFill>
+              </a:rPr>
+              <a:t>matrix </a:t>
+            </a:r>
+            <a:r>
+              <a:rPr lang="en-US" dirty="0" smtClean="0">
+                <a:solidFill>
+                  <a:schemeClr val="bg1">
+                    <a:lumMod val="95000"/>
+                  </a:schemeClr>
+                </a:solidFill>
+              </a:rPr>
+              <a:t>= new </a:t>
             </a:r>
             <a:r>
               <a:rPr lang="en-US" dirty="0" err="1" smtClean="0">
@@ -8706,7 +8736,7 @@
                   </a:schemeClr>
                 </a:solidFill>
               </a:rPr>
-              <a:t>която пълни двумерен масив с размер 4х4. Пълненето става </a:t>
+              <a:t>която пълни двумерен масив с размер 4х4. Пълненето става класически (хоризонтално).  Обходете повторно матрицата и умножете всички нечетни числа по </a:t>
             </a:r>
             <a:r>
               <a:rPr lang="bg-BG" dirty="0" smtClean="0">
@@ -8716,27 +8746,7 @@
                   </a:schemeClr>
                 </a:solidFill>
               </a:rPr>
-              <a:t>класически (хоризонтално).  </a:t>
-            </a:r>
-            <a:r>
-              <a:rPr lang="bg-BG" dirty="0" smtClean="0">
-                <a:solidFill>
-                  <a:schemeClr val="bg1">
-                    <a:lumMod val="95000"/>
-                  </a:schemeClr>
-                </a:solidFill>
-              </a:rPr>
-              <a:t>Обходете повторно матрицата и умножете всички нечетни числа по </a:t>
-            </a:r>
-            <a:r>
-              <a:rPr lang="bg-BG" dirty="0" smtClean="0">
-                <a:solidFill>
-                  <a:schemeClr val="bg1">
-                    <a:lumMod val="95000"/>
-                  </a:schemeClr>
-                </a:solidFill>
-              </a:rPr>
-              <a:t>2, а всички нечетни – по 0, </a:t>
+              <a:t>2, </a:t>
             </a:r>
             <a:r>
               <a:rPr lang="bg-BG" dirty="0" smtClean="0">

--- a/04-Arrays.pptx
+++ b/04-Arrays.pptx
@@ -34,9 +34,9 @@
     <p:sldId id="338" r:id="rId25"/>
     <p:sldId id="348" r:id="rId26"/>
     <p:sldId id="268" r:id="rId27"/>
-    <p:sldId id="333" r:id="rId28"/>
-    <p:sldId id="290" r:id="rId29"/>
-    <p:sldId id="330" r:id="rId30"/>
+    <p:sldId id="330" r:id="rId28"/>
+    <p:sldId id="333" r:id="rId29"/>
+    <p:sldId id="290" r:id="rId30"/>
     <p:sldId id="331" r:id="rId31"/>
     <p:sldId id="332" r:id="rId32"/>
   </p:sldIdLst>
@@ -8768,18 +8768,13 @@
           <a:p>
             <a:pPr algn="l"/>
             <a:r>
-              <a:rPr lang="bg-BG" dirty="0" smtClean="0">
+              <a:rPr lang="bg-BG" dirty="0">
                 <a:solidFill>
                   <a:schemeClr val="accent6"/>
                 </a:solidFill>
               </a:rPr>
               <a:t>Задачи за домашна работа</a:t>
             </a:r>
-            <a:endParaRPr lang="bg-BG" dirty="0">
-              <a:solidFill>
-                <a:schemeClr val="accent6"/>
-              </a:solidFill>
-            </a:endParaRPr>
           </a:p>
         </p:txBody>
       </p:sp>
@@ -8796,12 +8791,12 @@
         <p:spPr>
           <a:xfrm>
             <a:off x="762000" y="1676400"/>
-            <a:ext cx="7620000" cy="4876800"/>
+            <a:ext cx="7620000" cy="4525963"/>
           </a:xfrm>
         </p:spPr>
         <p:txBody>
           <a:bodyPr>
-            <a:noAutofit/>
+            <a:normAutofit/>
           </a:bodyPr>
           <a:lstStyle/>
           <a:p>
@@ -8810,88 +8805,16 @@
               <a:buChar char="§"/>
             </a:pPr>
             <a:r>
-              <a:rPr lang="bg-BG" sz="2400" dirty="0" smtClean="0">
-                <a:solidFill>
-                  <a:schemeClr val="bg1">
-                    <a:lumMod val="95000"/>
-                  </a:schemeClr>
-                </a:solidFill>
-              </a:rPr>
-              <a:t>Напишете програма, която намира сбора на всичките четни елементи в масив.</a:t>
-            </a:r>
-          </a:p>
-          <a:p>
-            <a:pPr>
-              <a:buFont typeface="Wingdings" panose="05000000000000000000" pitchFamily="2" charset="2"/>
-              <a:buChar char="§"/>
-            </a:pPr>
-            <a:r>
-              <a:rPr lang="bg-BG" sz="2400" dirty="0" smtClean="0">
-                <a:solidFill>
-                  <a:schemeClr val="bg1">
-                    <a:lumMod val="95000"/>
-                  </a:schemeClr>
-                </a:solidFill>
-              </a:rPr>
-              <a:t>Напишете програма, която попълва числата на </a:t>
-            </a:r>
-            <a:r>
-              <a:rPr lang="bg-BG" sz="2400" dirty="0" err="1" smtClean="0">
-                <a:solidFill>
-                  <a:schemeClr val="bg1">
-                    <a:lumMod val="95000"/>
-                  </a:schemeClr>
-                </a:solidFill>
-              </a:rPr>
-              <a:t>Фибоначи</a:t>
-            </a:r>
-            <a:r>
-              <a:rPr lang="bg-BG" sz="2400" dirty="0" smtClean="0">
-                <a:solidFill>
-                  <a:schemeClr val="bg1">
-                    <a:lumMod val="95000"/>
-                  </a:schemeClr>
-                </a:solidFill>
-              </a:rPr>
-              <a:t> в масив. Потребител въвежда колко да е голям масива.</a:t>
-            </a:r>
-          </a:p>
-          <a:p>
-            <a:pPr>
-              <a:buFont typeface="Wingdings" panose="05000000000000000000" pitchFamily="2" charset="2"/>
-              <a:buChar char="§"/>
-            </a:pPr>
-            <a:r>
-              <a:rPr lang="bg-BG" sz="2400" dirty="0" smtClean="0">
-                <a:solidFill>
-                  <a:schemeClr val="bg1">
-                    <a:lumMod val="95000"/>
-                  </a:schemeClr>
-                </a:solidFill>
-              </a:rPr>
-              <a:t>Напишете програма</a:t>
-            </a:r>
-            <a:r>
-              <a:rPr lang="en-US" sz="2400" dirty="0" smtClean="0">
-                <a:solidFill>
-                  <a:schemeClr val="bg1">
-                    <a:lumMod val="95000"/>
-                  </a:schemeClr>
-                </a:solidFill>
-              </a:rPr>
-              <a:t>,</a:t>
-            </a:r>
-            <a:r>
-              <a:rPr lang="bg-BG" sz="2400" dirty="0" smtClean="0">
-                <a:solidFill>
-                  <a:schemeClr val="bg1">
-                    <a:lumMod val="95000"/>
-                  </a:schemeClr>
-                </a:solidFill>
-              </a:rPr>
-              <a:t> която създава масив с 10 елемента от целочислен тип и инициализира елементите със стойност индекса  умножен по 10.</a:t>
-            </a:r>
-            <a:endParaRPr lang="ru-RU" sz="2400" dirty="0">
+              <a:rPr lang="bg-BG" dirty="0">
+                <a:solidFill>
+                  <a:schemeClr val="bg1">
+                    <a:lumMod val="95000"/>
+                  </a:schemeClr>
+                </a:solidFill>
+              </a:rPr>
+              <a:t>Прекопирайте един масив от цели числа в друг масив. </a:t>
+            </a:r>
+            <a:endParaRPr lang="en-US" dirty="0" smtClean="0">
               <a:solidFill>
                 <a:schemeClr val="bg1">
                   <a:lumMod val="95000"/>
@@ -8905,136 +8828,26 @@
               <a:buChar char="§"/>
             </a:pPr>
             <a:r>
-              <a:rPr lang="ru-RU" sz="2400" dirty="0" smtClean="0">
-                <a:solidFill>
-                  <a:schemeClr val="bg1">
-                    <a:lumMod val="95000"/>
-                  </a:schemeClr>
-                </a:solidFill>
-              </a:rPr>
-              <a:t>Напишете </a:t>
-            </a:r>
-            <a:r>
-              <a:rPr lang="ru-RU" sz="2400" dirty="0" err="1" smtClean="0">
-                <a:solidFill>
-                  <a:schemeClr val="bg1">
-                    <a:lumMod val="95000"/>
-                  </a:schemeClr>
-                </a:solidFill>
-              </a:rPr>
-              <a:t>програма</a:t>
-            </a:r>
-            <a:r>
-              <a:rPr lang="ru-RU" sz="2400" dirty="0" smtClean="0">
-                <a:solidFill>
-                  <a:schemeClr val="bg1">
-                    <a:lumMod val="95000"/>
-                  </a:schemeClr>
-                </a:solidFill>
-              </a:rPr>
-              <a:t>, </a:t>
-            </a:r>
-            <a:r>
-              <a:rPr lang="ru-RU" sz="2400" dirty="0" err="1" smtClean="0">
-                <a:solidFill>
-                  <a:schemeClr val="bg1">
-                    <a:lumMod val="95000"/>
-                  </a:schemeClr>
-                </a:solidFill>
-              </a:rPr>
-              <a:t>която</a:t>
-            </a:r>
-            <a:r>
-              <a:rPr lang="ru-RU" sz="2400" dirty="0" smtClean="0">
-                <a:solidFill>
-                  <a:schemeClr val="bg1">
-                    <a:lumMod val="95000"/>
-                  </a:schemeClr>
-                </a:solidFill>
-              </a:rPr>
-              <a:t> </a:t>
-            </a:r>
-            <a:r>
-              <a:rPr lang="ru-RU" sz="2400" dirty="0" err="1" smtClean="0">
-                <a:solidFill>
-                  <a:schemeClr val="bg1">
-                    <a:lumMod val="95000"/>
-                  </a:schemeClr>
-                </a:solidFill>
-              </a:rPr>
-              <a:t>търси</a:t>
-            </a:r>
-            <a:r>
-              <a:rPr lang="ru-RU" sz="2400" dirty="0" smtClean="0">
-                <a:solidFill>
-                  <a:schemeClr val="bg1">
-                    <a:lumMod val="95000"/>
-                  </a:schemeClr>
-                </a:solidFill>
-              </a:rPr>
-              <a:t> число в </a:t>
-            </a:r>
-            <a:r>
-              <a:rPr lang="ru-RU" sz="2400" dirty="0" err="1" smtClean="0">
-                <a:solidFill>
-                  <a:schemeClr val="bg1">
-                    <a:lumMod val="95000"/>
-                  </a:schemeClr>
-                </a:solidFill>
-              </a:rPr>
-              <a:t>масив</a:t>
-            </a:r>
-            <a:r>
-              <a:rPr lang="ru-RU" sz="2400" dirty="0" smtClean="0">
-                <a:solidFill>
-                  <a:schemeClr val="bg1">
-                    <a:lumMod val="95000"/>
-                  </a:schemeClr>
-                </a:solidFill>
-              </a:rPr>
-              <a:t> от числа и </a:t>
-            </a:r>
-            <a:r>
-              <a:rPr lang="ru-RU" sz="2400" dirty="0" err="1" smtClean="0">
-                <a:solidFill>
-                  <a:schemeClr val="bg1">
-                    <a:lumMod val="95000"/>
-                  </a:schemeClr>
-                </a:solidFill>
-              </a:rPr>
-              <a:t>връща</a:t>
-            </a:r>
-            <a:r>
-              <a:rPr lang="ru-RU" sz="2400" dirty="0" smtClean="0">
-                <a:solidFill>
-                  <a:schemeClr val="bg1">
-                    <a:lumMod val="95000"/>
-                  </a:schemeClr>
-                </a:solidFill>
-              </a:rPr>
-              <a:t> индекса на </a:t>
-            </a:r>
-            <a:r>
-              <a:rPr lang="ru-RU" sz="2400" dirty="0" err="1" smtClean="0">
-                <a:solidFill>
-                  <a:schemeClr val="bg1">
-                    <a:lumMod val="95000"/>
-                  </a:schemeClr>
-                </a:solidFill>
-              </a:rPr>
-              <a:t>първото</a:t>
-            </a:r>
-            <a:r>
-              <a:rPr lang="ru-RU" sz="2400" dirty="0" smtClean="0">
-                <a:solidFill>
-                  <a:schemeClr val="bg1">
-                    <a:lumMod val="95000"/>
-                  </a:schemeClr>
-                </a:solidFill>
-              </a:rPr>
-              <a:t> намерено число.</a:t>
-            </a:r>
-            <a:endParaRPr lang="ru-RU" sz="2400" dirty="0">
+              <a:rPr lang="bg-BG" dirty="0">
+                <a:solidFill>
+                  <a:schemeClr val="bg1">
+                    <a:lumMod val="95000"/>
+                  </a:schemeClr>
+                </a:solidFill>
+              </a:rPr>
+              <a:t>Напишете програма, която обръща стойностите на един масив</a:t>
+            </a:r>
+            <a:r>
+              <a:rPr lang="bg-BG" dirty="0" smtClean="0">
+                <a:solidFill>
+                  <a:schemeClr val="bg1">
+                    <a:lumMod val="95000"/>
+                  </a:schemeClr>
+                </a:solidFill>
+              </a:rPr>
+              <a:t>.</a:t>
+            </a:r>
+            <a:endParaRPr lang="en-US" dirty="0" smtClean="0">
               <a:solidFill>
                 <a:schemeClr val="bg1">
                   <a:lumMod val="95000"/>
@@ -9042,12 +8855,84 @@
               </a:solidFill>
             </a:endParaRPr>
           </a:p>
+          <a:p>
+            <a:pPr>
+              <a:buFont typeface="Wingdings" panose="05000000000000000000" pitchFamily="2" charset="2"/>
+              <a:buChar char="§"/>
+            </a:pPr>
+            <a:r>
+              <a:rPr lang="bg-BG" dirty="0" smtClean="0">
+                <a:solidFill>
+                  <a:schemeClr val="bg1">
+                    <a:lumMod val="95000"/>
+                  </a:schemeClr>
+                </a:solidFill>
+              </a:rPr>
+              <a:t>Напишете програма</a:t>
+            </a:r>
+            <a:r>
+              <a:rPr lang="en-US" dirty="0" smtClean="0">
+                <a:solidFill>
+                  <a:schemeClr val="bg1">
+                    <a:lumMod val="95000"/>
+                  </a:schemeClr>
+                </a:solidFill>
+              </a:rPr>
+              <a:t>, </a:t>
+            </a:r>
+            <a:r>
+              <a:rPr lang="bg-BG" dirty="0" smtClean="0">
+                <a:solidFill>
+                  <a:schemeClr val="bg1">
+                    <a:lumMod val="95000"/>
+                  </a:schemeClr>
+                </a:solidFill>
+              </a:rPr>
+              <a:t>която проверява дали един масив е симетричен.</a:t>
+            </a:r>
+          </a:p>
+          <a:p>
+            <a:pPr marL="0" indent="0">
+              <a:buNone/>
+            </a:pPr>
+            <a:endParaRPr lang="bg-BG" dirty="0">
+              <a:solidFill>
+                <a:schemeClr val="bg1">
+                  <a:lumMod val="95000"/>
+                </a:schemeClr>
+              </a:solidFill>
+            </a:endParaRPr>
+          </a:p>
+          <a:p>
+            <a:pPr marL="0" indent="0">
+              <a:buNone/>
+            </a:pPr>
+            <a:endParaRPr lang="bg-BG" dirty="0">
+              <a:solidFill>
+                <a:schemeClr val="bg1">
+                  <a:lumMod val="95000"/>
+                </a:schemeClr>
+              </a:solidFill>
+            </a:endParaRPr>
+          </a:p>
+          <a:p>
+            <a:pPr marL="0" indent="0">
+              <a:buNone/>
+            </a:pPr>
+            <a:endParaRPr lang="bg-BG" dirty="0" smtClean="0">
+              <a:solidFill>
+                <a:schemeClr val="bg1">
+                  <a:lumMod val="95000"/>
+                </a:schemeClr>
+              </a:solidFill>
+            </a:endParaRPr>
+          </a:p>
         </p:txBody>
       </p:sp>
     </p:spTree>
     <p:extLst>
       <p:ext uri="{BB962C8B-B14F-4D97-AF65-F5344CB8AC3E}">
-        <p14:creationId xmlns:p14="http://schemas.microsoft.com/office/powerpoint/2010/main" val="561114716"/>
+        <p14:creationId xmlns:p14="http://schemas.microsoft.com/office/powerpoint/2010/main" val="1731977221"/>
       </p:ext>
     </p:extLst>
   </p:cSld>
@@ -9131,7 +9016,7 @@
         <p:spPr>
           <a:xfrm>
             <a:off x="762000" y="1676400"/>
-            <a:ext cx="7239000" cy="4876800"/>
+            <a:ext cx="7620000" cy="4876800"/>
           </a:xfrm>
         </p:spPr>
         <p:txBody>
@@ -9145,42 +9030,15 @@
               <a:buChar char="§"/>
             </a:pPr>
             <a:r>
-              <a:rPr lang="ru-RU" sz="2800" dirty="0">
-                <a:solidFill>
-                  <a:schemeClr val="bg1"/>
-                </a:solidFill>
-              </a:rPr>
-              <a:t>Да се напише програма, която чете два масива от конзолата и </a:t>
-            </a:r>
-            <a:r>
-              <a:rPr lang="ru-RU" sz="2800" dirty="0" smtClean="0">
-                <a:solidFill>
-                  <a:schemeClr val="bg1"/>
-                </a:solidFill>
-              </a:rPr>
-              <a:t>проверява </a:t>
-            </a:r>
-            <a:r>
-              <a:rPr lang="ru-RU" sz="2800" dirty="0">
-                <a:solidFill>
-                  <a:schemeClr val="bg1"/>
-                </a:solidFill>
-              </a:rPr>
-              <a:t>дали са еднакви</a:t>
-            </a:r>
-            <a:r>
-              <a:rPr lang="ru-RU" sz="2800" dirty="0" smtClean="0">
-                <a:solidFill>
-                  <a:schemeClr val="bg1"/>
-                </a:solidFill>
-              </a:rPr>
-              <a:t>.</a:t>
-            </a:r>
-            <a:endParaRPr lang="en-US" sz="2800" dirty="0" smtClean="0">
-              <a:solidFill>
-                <a:schemeClr val="bg1"/>
-              </a:solidFill>
-            </a:endParaRPr>
+              <a:rPr lang="bg-BG" sz="2400" dirty="0" smtClean="0">
+                <a:solidFill>
+                  <a:schemeClr val="bg1">
+                    <a:lumMod val="95000"/>
+                  </a:schemeClr>
+                </a:solidFill>
+              </a:rPr>
+              <a:t>Напишете програма, която намира сбора на всичките четни елементи в масив.</a:t>
+            </a:r>
           </a:p>
           <a:p>
             <a:pPr>
@@ -9188,86 +9046,219 @@
               <a:buChar char="§"/>
             </a:pPr>
             <a:r>
-              <a:rPr lang="ru-RU" sz="2800" dirty="0">
-                <a:solidFill>
-                  <a:schemeClr val="bg1"/>
-                </a:solidFill>
-              </a:rPr>
-              <a:t>Напишете програма, която намира най-често срещания елемент в масив</a:t>
-            </a:r>
-            <a:r>
-              <a:rPr lang="ru-RU" sz="2800" dirty="0" smtClean="0">
-                <a:solidFill>
-                  <a:schemeClr val="bg1"/>
-                </a:solidFill>
-              </a:rPr>
-              <a:t>.</a:t>
-            </a:r>
-            <a:r>
-              <a:rPr lang="en-US" sz="2800" dirty="0" smtClean="0">
-                <a:solidFill>
-                  <a:schemeClr val="bg1"/>
-                </a:solidFill>
-              </a:rPr>
-              <a:t> </a:t>
-            </a:r>
-            <a:r>
-              <a:rPr lang="bg-BG" sz="2800" dirty="0" smtClean="0">
-                <a:solidFill>
-                  <a:schemeClr val="bg1"/>
-                </a:solidFill>
-              </a:rPr>
-              <a:t>Нека максималната стойност на елементите в масива да е 100.</a:t>
-            </a:r>
-          </a:p>
-          <a:p>
-            <a:pPr lvl="1">
+              <a:rPr lang="bg-BG" sz="2400" dirty="0" smtClean="0">
+                <a:solidFill>
+                  <a:schemeClr val="bg1">
+                    <a:lumMod val="95000"/>
+                  </a:schemeClr>
+                </a:solidFill>
+              </a:rPr>
+              <a:t>Напишете програма, която попълва числата на </a:t>
+            </a:r>
+            <a:r>
+              <a:rPr lang="bg-BG" sz="2400" dirty="0" err="1" smtClean="0">
+                <a:solidFill>
+                  <a:schemeClr val="bg1">
+                    <a:lumMod val="95000"/>
+                  </a:schemeClr>
+                </a:solidFill>
+              </a:rPr>
+              <a:t>Фибоначи</a:t>
+            </a:r>
+            <a:r>
+              <a:rPr lang="bg-BG" sz="2400" dirty="0" smtClean="0">
+                <a:solidFill>
+                  <a:schemeClr val="bg1">
+                    <a:lumMod val="95000"/>
+                  </a:schemeClr>
+                </a:solidFill>
+              </a:rPr>
+              <a:t> в масив. Потребител въвежда колко да е голям масива.</a:t>
+            </a:r>
+          </a:p>
+          <a:p>
+            <a:pPr>
               <a:buFont typeface="Wingdings" panose="05000000000000000000" pitchFamily="2" charset="2"/>
               <a:buChar char="§"/>
             </a:pPr>
             <a:r>
+              <a:rPr lang="bg-BG" sz="2400" dirty="0" smtClean="0">
+                <a:solidFill>
+                  <a:schemeClr val="bg1">
+                    <a:lumMod val="95000"/>
+                  </a:schemeClr>
+                </a:solidFill>
+              </a:rPr>
+              <a:t>Напишете програма</a:t>
+            </a:r>
+            <a:r>
+              <a:rPr lang="en-US" sz="2400" dirty="0" smtClean="0">
+                <a:solidFill>
+                  <a:schemeClr val="bg1">
+                    <a:lumMod val="95000"/>
+                  </a:schemeClr>
+                </a:solidFill>
+              </a:rPr>
+              <a:t>,</a:t>
+            </a:r>
+            <a:r>
+              <a:rPr lang="bg-BG" sz="2400" dirty="0" smtClean="0">
+                <a:solidFill>
+                  <a:schemeClr val="bg1">
+                    <a:lumMod val="95000"/>
+                  </a:schemeClr>
+                </a:solidFill>
+              </a:rPr>
+              <a:t> която създава масив с 10 елемента от целочислен тип и инициализира елементите със стойност индекса  умножен по 10.</a:t>
+            </a:r>
+            <a:endParaRPr lang="ru-RU" sz="2400" dirty="0">
+              <a:solidFill>
+                <a:schemeClr val="bg1">
+                  <a:lumMod val="95000"/>
+                </a:schemeClr>
+              </a:solidFill>
+            </a:endParaRPr>
+          </a:p>
+          <a:p>
+            <a:pPr>
+              <a:buFont typeface="Wingdings" panose="05000000000000000000" pitchFamily="2" charset="2"/>
+              <a:buChar char="§"/>
+            </a:pPr>
+            <a:r>
               <a:rPr lang="ru-RU" sz="2400" dirty="0" smtClean="0">
                 <a:solidFill>
-                  <a:schemeClr val="bg1"/>
+                  <a:schemeClr val="bg1">
+                    <a:lumMod val="95000"/>
+                  </a:schemeClr>
+                </a:solidFill>
+              </a:rPr>
+              <a:t>Напишете </a:t>
+            </a:r>
+            <a:r>
+              <a:rPr lang="ru-RU" sz="2400" dirty="0" err="1" smtClean="0">
+                <a:solidFill>
+                  <a:schemeClr val="bg1">
+                    <a:lumMod val="95000"/>
+                  </a:schemeClr>
+                </a:solidFill>
+              </a:rPr>
+              <a:t>програма</a:t>
+            </a:r>
+            <a:r>
+              <a:rPr lang="ru-RU" sz="2400" dirty="0" smtClean="0">
+                <a:solidFill>
+                  <a:schemeClr val="bg1">
+                    <a:lumMod val="95000"/>
+                  </a:schemeClr>
+                </a:solidFill>
+              </a:rPr>
+              <a:t>, </a:t>
+            </a:r>
+            <a:r>
+              <a:rPr lang="ru-RU" sz="2400" dirty="0" err="1" smtClean="0">
+                <a:solidFill>
+                  <a:schemeClr val="bg1">
+                    <a:lumMod val="95000"/>
+                  </a:schemeClr>
+                </a:solidFill>
+              </a:rPr>
+              <a:t>която</a:t>
+            </a:r>
+            <a:r>
+              <a:rPr lang="ru-RU" sz="2400" dirty="0" smtClean="0">
+                <a:solidFill>
+                  <a:schemeClr val="bg1">
+                    <a:lumMod val="95000"/>
+                  </a:schemeClr>
                 </a:solidFill>
               </a:rPr>
               <a:t> </a:t>
             </a:r>
             <a:r>
-              <a:rPr lang="ru-RU" sz="2400" dirty="0">
-                <a:solidFill>
-                  <a:schemeClr val="bg1"/>
-                </a:solidFill>
-              </a:rPr>
-              <a:t>Пример: {4, 1, 1, 4, 2, 3, 4, 4, 1, 2, 4, 9, 3} </a:t>
-            </a:r>
-            <a:r>
-              <a:rPr lang="en-US" sz="2400" dirty="0" smtClean="0">
-                <a:solidFill>
-                  <a:schemeClr val="bg1"/>
-                </a:solidFill>
-              </a:rPr>
-              <a:t>-&gt;</a:t>
+              <a:rPr lang="ru-RU" sz="2400" dirty="0" err="1" smtClean="0">
+                <a:solidFill>
+                  <a:schemeClr val="bg1">
+                    <a:lumMod val="95000"/>
+                  </a:schemeClr>
+                </a:solidFill>
+              </a:rPr>
+              <a:t>търси</a:t>
             </a:r>
             <a:r>
               <a:rPr lang="ru-RU" sz="2400" dirty="0" smtClean="0">
                 <a:solidFill>
-                  <a:schemeClr val="bg1"/>
-                </a:solidFill>
-              </a:rPr>
-              <a:t> </a:t>
-            </a:r>
-            <a:r>
-              <a:rPr lang="ru-RU" sz="2400" dirty="0">
-                <a:solidFill>
-                  <a:schemeClr val="bg1"/>
-                </a:solidFill>
-              </a:rPr>
-              <a:t>4 (среща се 5 пъти).</a:t>
-            </a:r>
-            <a:endParaRPr lang="en-US" sz="1600" dirty="0" smtClean="0">
+                  <a:schemeClr val="bg1">
+                    <a:lumMod val="95000"/>
+                  </a:schemeClr>
+                </a:solidFill>
+              </a:rPr>
+              <a:t> число в </a:t>
+            </a:r>
+            <a:r>
+              <a:rPr lang="ru-RU" sz="2400" dirty="0" err="1" smtClean="0">
+                <a:solidFill>
+                  <a:schemeClr val="bg1">
+                    <a:lumMod val="95000"/>
+                  </a:schemeClr>
+                </a:solidFill>
+              </a:rPr>
+              <a:t>масив</a:t>
+            </a:r>
+            <a:r>
+              <a:rPr lang="ru-RU" sz="2400" dirty="0" smtClean="0">
+                <a:solidFill>
+                  <a:schemeClr val="bg1">
+                    <a:lumMod val="95000"/>
+                  </a:schemeClr>
+                </a:solidFill>
+              </a:rPr>
+              <a:t> от числа и </a:t>
+            </a:r>
+            <a:r>
+              <a:rPr lang="ru-RU" sz="2400" dirty="0" err="1" smtClean="0">
+                <a:solidFill>
+                  <a:schemeClr val="bg1">
+                    <a:lumMod val="95000"/>
+                  </a:schemeClr>
+                </a:solidFill>
+              </a:rPr>
+              <a:t>връща</a:t>
+            </a:r>
+            <a:r>
+              <a:rPr lang="ru-RU" sz="2400" dirty="0" smtClean="0">
+                <a:solidFill>
+                  <a:schemeClr val="bg1">
+                    <a:lumMod val="95000"/>
+                  </a:schemeClr>
+                </a:solidFill>
+              </a:rPr>
+              <a:t> индекса на </a:t>
+            </a:r>
+            <a:r>
+              <a:rPr lang="ru-RU" sz="2400" dirty="0" err="1" smtClean="0">
+                <a:solidFill>
+                  <a:schemeClr val="bg1">
+                    <a:lumMod val="95000"/>
+                  </a:schemeClr>
+                </a:solidFill>
+              </a:rPr>
+              <a:t>първото</a:t>
+            </a:r>
+            <a:r>
+              <a:rPr lang="ru-RU" sz="2400" dirty="0" smtClean="0">
+                <a:solidFill>
+                  <a:schemeClr val="bg1">
+                    <a:lumMod val="95000"/>
+                  </a:schemeClr>
+                </a:solidFill>
+              </a:rPr>
+              <a:t> намерено число.</a:t>
+            </a:r>
+            <a:endParaRPr lang="ru-RU" sz="2400" dirty="0">
               <a:solidFill>
-                <a:schemeClr val="bg1"/>
+                <a:schemeClr val="bg1">
+                  <a:lumMod val="95000"/>
+                </a:schemeClr>
               </a:solidFill>
             </a:endParaRPr>
           </a:p>
@@ -9276,7 +9267,7 @@
     </p:spTree>
     <p:extLst>
       <p:ext uri="{BB962C8B-B14F-4D97-AF65-F5344CB8AC3E}">
-        <p14:creationId xmlns:p14="http://schemas.microsoft.com/office/powerpoint/2010/main" val="2116233219"/>
+        <p14:creationId xmlns:p14="http://schemas.microsoft.com/office/powerpoint/2010/main" val="561114716"/>
       </p:ext>
     </p:extLst>
   </p:cSld>
@@ -9332,7 +9323,7 @@
           <a:p>
             <a:pPr algn="l"/>
             <a:r>
-              <a:rPr lang="bg-BG" dirty="0">
+              <a:rPr lang="bg-BG" dirty="0" smtClean="0">
                 <a:solidFill>
                   <a:schemeClr val="accent6"/>
                 </a:solidFill>
@@ -9360,12 +9351,12 @@
         <p:spPr>
           <a:xfrm>
             <a:off x="762000" y="1676400"/>
-            <a:ext cx="7620000" cy="4525963"/>
+            <a:ext cx="7239000" cy="4876800"/>
           </a:xfrm>
         </p:spPr>
         <p:txBody>
           <a:bodyPr>
-            <a:normAutofit/>
+            <a:noAutofit/>
           </a:bodyPr>
           <a:lstStyle/>
           <a:p>
@@ -9374,20 +9365,40 @@
               <a:buChar char="§"/>
             </a:pPr>
             <a:r>
-              <a:rPr lang="bg-BG" dirty="0">
-                <a:solidFill>
-                  <a:schemeClr val="bg1">
-                    <a:lumMod val="95000"/>
-                  </a:schemeClr>
-                </a:solidFill>
-              </a:rPr>
-              <a:t>Прекопирайте един масив от цели числа в друг масив. </a:t>
-            </a:r>
-            <a:endParaRPr lang="en-US" dirty="0" smtClean="0">
+              <a:rPr lang="ru-RU" sz="2800" dirty="0">
+                <a:solidFill>
+                  <a:schemeClr val="bg1"/>
+                </a:solidFill>
+              </a:rPr>
+              <a:t>Да се напише програма, която чете два масива от конзолата и </a:t>
+            </a:r>
+            <a:r>
+              <a:rPr lang="ru-RU" sz="2800" dirty="0" smtClean="0">
+                <a:solidFill>
+                  <a:schemeClr val="bg1"/>
+                </a:solidFill>
+              </a:rPr>
+              <a:t>проверява </a:t>
+            </a:r>
+            <a:r>
+              <a:rPr lang="ru-RU" sz="2800" dirty="0">
+                <a:solidFill>
+                  <a:schemeClr val="bg1"/>
+                </a:solidFill>
+              </a:rPr>
+              <a:t>дали са еднакви</a:t>
+            </a:r>
+            <a:r>
+              <a:rPr lang="ru-RU" sz="2800" dirty="0" smtClean="0">
+                <a:solidFill>
+                  <a:schemeClr val="bg1"/>
+                </a:solidFill>
+              </a:rPr>
+              <a:t>.</a:t>
+            </a:r>
+            <a:endParaRPr lang="en-US" sz="2800" dirty="0" smtClean="0">
               <a:solidFill>
-                <a:schemeClr val="bg1">
-                  <a:lumMod val="95000"/>
-                </a:schemeClr>
+                <a:schemeClr val="bg1"/>
               </a:solidFill>
             </a:endParaRPr>
           </a:p>
@@ -9397,102 +9408,86 @@
               <a:buChar char="§"/>
             </a:pPr>
             <a:r>
-              <a:rPr lang="bg-BG" dirty="0">
-                <a:solidFill>
-                  <a:schemeClr val="bg1">
-                    <a:lumMod val="95000"/>
-                  </a:schemeClr>
-                </a:solidFill>
-              </a:rPr>
-              <a:t>Напишете програма, която обръща стойностите на един масив</a:t>
-            </a:r>
-            <a:r>
-              <a:rPr lang="bg-BG" dirty="0" smtClean="0">
-                <a:solidFill>
-                  <a:schemeClr val="bg1">
-                    <a:lumMod val="95000"/>
-                  </a:schemeClr>
+              <a:rPr lang="ru-RU" sz="2800" dirty="0">
+                <a:solidFill>
+                  <a:schemeClr val="bg1"/>
+                </a:solidFill>
+              </a:rPr>
+              <a:t>Напишете програма, която намира най-често срещания елемент в масив</a:t>
+            </a:r>
+            <a:r>
+              <a:rPr lang="ru-RU" sz="2800" dirty="0" smtClean="0">
+                <a:solidFill>
+                  <a:schemeClr val="bg1"/>
                 </a:solidFill>
               </a:rPr>
               <a:t>.</a:t>
             </a:r>
-            <a:endParaRPr lang="en-US" dirty="0" smtClean="0">
-              <a:solidFill>
-                <a:schemeClr val="bg1">
-                  <a:lumMod val="95000"/>
-                </a:schemeClr>
-              </a:solidFill>
-            </a:endParaRPr>
-          </a:p>
-          <a:p>
-            <a:pPr>
+            <a:r>
+              <a:rPr lang="en-US" sz="2800" dirty="0" smtClean="0">
+                <a:solidFill>
+                  <a:schemeClr val="bg1"/>
+                </a:solidFill>
+              </a:rPr>
+              <a:t> </a:t>
+            </a:r>
+            <a:r>
+              <a:rPr lang="bg-BG" sz="2800" dirty="0" smtClean="0">
+                <a:solidFill>
+                  <a:schemeClr val="bg1"/>
+                </a:solidFill>
+              </a:rPr>
+              <a:t>Нека максималната стойност на елементите в масива да е 100.</a:t>
+            </a:r>
+          </a:p>
+          <a:p>
+            <a:pPr lvl="1">
               <a:buFont typeface="Wingdings" panose="05000000000000000000" pitchFamily="2" charset="2"/>
               <a:buChar char="§"/>
             </a:pPr>
             <a:r>
-              <a:rPr lang="bg-BG" dirty="0" smtClean="0">
-                <a:solidFill>
-                  <a:schemeClr val="bg1">
-                    <a:lumMod val="95000"/>
-                  </a:schemeClr>
-                </a:solidFill>
-              </a:rPr>
-              <a:t>Напишете програма</a:t>
-            </a:r>
-            <a:r>
-              <a:rPr lang="en-US" dirty="0" smtClean="0">
-                <a:solidFill>
-                  <a:schemeClr val="bg1">
-                    <a:lumMod val="95000"/>
-                  </a:schemeClr>
-                </a:solidFill>
-              </a:rPr>
-              <a:t>, </a:t>
-            </a:r>
-            <a:r>
-              <a:rPr lang="bg-BG" dirty="0" smtClean="0">
-                <a:solidFill>
-                  <a:schemeClr val="bg1">
-                    <a:lumMod val="95000"/>
-                  </a:schemeClr>
-                </a:solidFill>
-              </a:rPr>
-              <a:t>която проверява дали един масив е симетричен.</a:t>
-            </a:r>
-          </a:p>
-          <a:p>
-            <a:pPr marL="0" indent="0">
-              <a:buNone/>
-            </a:pPr>
-            <a:endParaRPr lang="bg-BG" dirty="0">
+              <a:rPr lang="ru-RU" sz="2400" dirty="0" smtClean="0">
+                <a:solidFill>
+                  <a:schemeClr val="bg1"/>
+                </a:solidFill>
+              </a:rPr>
+              <a:t> </a:t>
+            </a:r>
+            <a:r>
+              <a:rPr lang="ru-RU" sz="2400" dirty="0">
+                <a:solidFill>
+                  <a:schemeClr val="bg1"/>
+                </a:solidFill>
+              </a:rPr>
+              <a:t>Пример: {4, 1, 1, 4, 2, 3, 4, 4, 1, 2, 4, 9, 3} </a:t>
+            </a:r>
+            <a:r>
+              <a:rPr lang="en-US" sz="2400" dirty="0" smtClean="0">
+                <a:solidFill>
+                  <a:schemeClr val="bg1"/>
+                </a:solidFill>
+              </a:rPr>
+              <a:t>-&gt;</a:t>
+            </a:r>
+            <a:r>
+              <a:rPr lang="ru-RU" sz="2400" dirty="0" smtClean="0">
+                <a:solidFill>
+                  <a:schemeClr val="bg1"/>
+                </a:solidFill>
+              </a:rPr>
+              <a:t> </a:t>
+            </a:r>
+            <a:r>
+              <a:rPr lang="ru-RU" sz="2400" dirty="0">
+                <a:solidFill>
+                  <a:schemeClr val="bg1"/>
+                </a:solidFill>
+              </a:rPr>
+              <a:t>4 (среща се 5 пъти).</a:t>
+            </a:r>
+            <a:endParaRPr lang="en-US" sz="1600" dirty="0" smtClean="0">
               <a:solidFill>
-                <a:schemeClr val="bg1">
-                  <a:lumMod val="95000"/>
-                </a:schemeClr>
-              </a:solidFill>
-            </a:endParaRPr>
-          </a:p>
-          <a:p>
-            <a:pPr marL="0" indent="0">
-              <a:buNone/>
-            </a:pPr>
-            <a:endParaRPr lang="bg-BG" dirty="0">
-              <a:solidFill>
-                <a:schemeClr val="bg1">
-                  <a:lumMod val="95000"/>
-                </a:schemeClr>
-              </a:solidFill>
-            </a:endParaRPr>
-          </a:p>
-          <a:p>
-            <a:pPr marL="0" indent="0">
-              <a:buNone/>
-            </a:pPr>
-            <a:endParaRPr lang="bg-BG" dirty="0" smtClean="0">
-              <a:solidFill>
-                <a:schemeClr val="bg1">
-                  <a:lumMod val="95000"/>
-                </a:schemeClr>
+                <a:schemeClr val="bg1"/>
               </a:solidFill>
             </a:endParaRPr>
           </a:p>
@@ -9501,7 +9496,7 @@
     </p:spTree>
     <p:extLst>
       <p:ext uri="{BB962C8B-B14F-4D97-AF65-F5344CB8AC3E}">
-        <p14:creationId xmlns:p14="http://schemas.microsoft.com/office/powerpoint/2010/main" val="1731977221"/>
+        <p14:creationId xmlns:p14="http://schemas.microsoft.com/office/powerpoint/2010/main" val="2116233219"/>
       </p:ext>
     </p:extLst>
   </p:cSld>
